--- a/PPT/pt/PPT3_-_JSON_XML_e_APIs.pptx
+++ b/PPT/pt/PPT3_-_JSON_XML_e_APIs.pptx
@@ -247,7 +247,7 @@
           <a:p>
             <a:fld id="{A8056B92-FCDB-4810-8779-64E0CAC2F787}" type="datetimeFigureOut">
               <a:rPr lang="pt-PT" smtClean="0"/>
-              <a:t>18/05/2018</a:t>
+              <a:t>20/05/2018</a:t>
             </a:fld>
             <a:endParaRPr lang="pt-PT"/>
           </a:p>
@@ -417,7 +417,7 @@
           <a:p>
             <a:fld id="{A8056B92-FCDB-4810-8779-64E0CAC2F787}" type="datetimeFigureOut">
               <a:rPr lang="pt-PT" smtClean="0"/>
-              <a:t>18/05/2018</a:t>
+              <a:t>20/05/2018</a:t>
             </a:fld>
             <a:endParaRPr lang="pt-PT"/>
           </a:p>
@@ -597,7 +597,7 @@
           <a:p>
             <a:fld id="{A8056B92-FCDB-4810-8779-64E0CAC2F787}" type="datetimeFigureOut">
               <a:rPr lang="pt-PT" smtClean="0"/>
-              <a:t>18/05/2018</a:t>
+              <a:t>20/05/2018</a:t>
             </a:fld>
             <a:endParaRPr lang="pt-PT"/>
           </a:p>
@@ -767,7 +767,7 @@
           <a:p>
             <a:fld id="{A8056B92-FCDB-4810-8779-64E0CAC2F787}" type="datetimeFigureOut">
               <a:rPr lang="pt-PT" smtClean="0"/>
-              <a:t>18/05/2018</a:t>
+              <a:t>20/05/2018</a:t>
             </a:fld>
             <a:endParaRPr lang="pt-PT"/>
           </a:p>
@@ -1013,7 +1013,7 @@
           <a:p>
             <a:fld id="{A8056B92-FCDB-4810-8779-64E0CAC2F787}" type="datetimeFigureOut">
               <a:rPr lang="pt-PT" smtClean="0"/>
-              <a:t>18/05/2018</a:t>
+              <a:t>20/05/2018</a:t>
             </a:fld>
             <a:endParaRPr lang="pt-PT"/>
           </a:p>
@@ -1245,7 +1245,7 @@
           <a:p>
             <a:fld id="{A8056B92-FCDB-4810-8779-64E0CAC2F787}" type="datetimeFigureOut">
               <a:rPr lang="pt-PT" smtClean="0"/>
-              <a:t>18/05/2018</a:t>
+              <a:t>20/05/2018</a:t>
             </a:fld>
             <a:endParaRPr lang="pt-PT"/>
           </a:p>
@@ -1612,7 +1612,7 @@
           <a:p>
             <a:fld id="{A8056B92-FCDB-4810-8779-64E0CAC2F787}" type="datetimeFigureOut">
               <a:rPr lang="pt-PT" smtClean="0"/>
-              <a:t>18/05/2018</a:t>
+              <a:t>20/05/2018</a:t>
             </a:fld>
             <a:endParaRPr lang="pt-PT"/>
           </a:p>
@@ -1730,7 +1730,7 @@
           <a:p>
             <a:fld id="{A8056B92-FCDB-4810-8779-64E0CAC2F787}" type="datetimeFigureOut">
               <a:rPr lang="pt-PT" smtClean="0"/>
-              <a:t>18/05/2018</a:t>
+              <a:t>20/05/2018</a:t>
             </a:fld>
             <a:endParaRPr lang="pt-PT"/>
           </a:p>
@@ -1825,7 +1825,7 @@
           <a:p>
             <a:fld id="{A8056B92-FCDB-4810-8779-64E0CAC2F787}" type="datetimeFigureOut">
               <a:rPr lang="pt-PT" smtClean="0"/>
-              <a:t>18/05/2018</a:t>
+              <a:t>20/05/2018</a:t>
             </a:fld>
             <a:endParaRPr lang="pt-PT"/>
           </a:p>
@@ -2102,7 +2102,7 @@
           <a:p>
             <a:fld id="{A8056B92-FCDB-4810-8779-64E0CAC2F787}" type="datetimeFigureOut">
               <a:rPr lang="pt-PT" smtClean="0"/>
-              <a:t>18/05/2018</a:t>
+              <a:t>20/05/2018</a:t>
             </a:fld>
             <a:endParaRPr lang="pt-PT"/>
           </a:p>
@@ -2359,7 +2359,7 @@
           <a:p>
             <a:fld id="{A8056B92-FCDB-4810-8779-64E0CAC2F787}" type="datetimeFigureOut">
               <a:rPr lang="pt-PT" smtClean="0"/>
-              <a:t>18/05/2018</a:t>
+              <a:t>20/05/2018</a:t>
             </a:fld>
             <a:endParaRPr lang="pt-PT"/>
           </a:p>
@@ -2572,7 +2572,7 @@
           <a:p>
             <a:fld id="{A8056B92-FCDB-4810-8779-64E0CAC2F787}" type="datetimeFigureOut">
               <a:rPr lang="pt-PT" smtClean="0"/>
-              <a:t>18/05/2018</a:t>
+              <a:t>20/05/2018</a:t>
             </a:fld>
             <a:endParaRPr lang="pt-PT"/>
           </a:p>
@@ -3537,7 +3537,7 @@
               <a:rPr lang="pt-PT" sz="1800" dirty="0">
                 <a:latin typeface="Consolas" panose="020B0609020204030204" pitchFamily="49" charset="0"/>
               </a:rPr>
-              <a:t>   &lt;item quantidade=“2”&gt;Ovos&lt;/item&gt;</a:t>
+              <a:t>   &lt;item quantidade=“2”&gt;Ovo&lt;/item&gt;</a:t>
             </a:r>
           </a:p>
           <a:p>
@@ -3712,7 +3712,7 @@
               <a:rPr lang="pt-PT" dirty="0">
                 <a:latin typeface="Consolas" panose="020B0609020204030204" pitchFamily="49" charset="0"/>
               </a:rPr>
-              <a:t>      “quantidade” : 5,</a:t>
+              <a:t>      “quantidade” : 2,</a:t>
             </a:r>
           </a:p>
           <a:p>
@@ -3720,7 +3720,7 @@
               <a:rPr lang="pt-PT" dirty="0">
                 <a:latin typeface="Consolas" panose="020B0609020204030204" pitchFamily="49" charset="0"/>
               </a:rPr>
-              <a:t>      “descrição” : “Maçã”</a:t>
+              <a:t>      “descrição” : “Ovo”</a:t>
             </a:r>
           </a:p>
           <a:p>
@@ -4179,26 +4179,57 @@
               <a:rPr lang="pt-PT" sz="1800" dirty="0">
                 <a:latin typeface="Consolas" panose="020B0609020204030204" pitchFamily="49" charset="0"/>
               </a:rPr>
-              <a:t>Padrões estabelecidos pelo software para que outros o usem de forma fácil.</a:t>
-            </a:r>
-          </a:p>
-          <a:p>
-            <a:endParaRPr lang="pt-PT" sz="1800" dirty="0">
-              <a:latin typeface="Consolas" panose="020B0609020204030204" pitchFamily="49" charset="0"/>
-            </a:endParaRPr>
-          </a:p>
-          <a:p>
+              <a:t>Uma Web API é uma interface que consiste em um ou mais </a:t>
+            </a:r>
+            <a:r>
+              <a:rPr lang="pt-PT" sz="1800" dirty="0" err="1">
+                <a:latin typeface="Consolas" panose="020B0609020204030204" pitchFamily="49" charset="0"/>
+              </a:rPr>
+              <a:t>endpoints</a:t>
+            </a:r>
             <a:r>
               <a:rPr lang="pt-PT" sz="1800" dirty="0">
                 <a:latin typeface="Consolas" panose="020B0609020204030204" pitchFamily="49" charset="0"/>
               </a:rPr>
-              <a:t>Lista </a:t>
+              <a:t> públicos que funcionam através de um sistema pedido-resposta </a:t>
+            </a:r>
+            <a:r>
+              <a:rPr lang="pt-PT" sz="1800" dirty="0" err="1">
+                <a:latin typeface="Consolas" panose="020B0609020204030204" pitchFamily="49" charset="0"/>
+              </a:rPr>
+              <a:t>predefenido</a:t>
+            </a:r>
+            <a:r>
+              <a:rPr lang="pt-PT" sz="1800" dirty="0">
+                <a:latin typeface="Consolas" panose="020B0609020204030204" pitchFamily="49" charset="0"/>
+              </a:rPr>
+              <a:t>, sendo que a resposta é </a:t>
             </a:r>
             <a:r>
               <a:rPr lang="pt-PT" sz="1800">
                 <a:latin typeface="Consolas" panose="020B0609020204030204" pitchFamily="49" charset="0"/>
               </a:rPr>
-              <a:t>de algumas APIs</a:t>
+              <a:t>normalmente em </a:t>
+            </a:r>
+            <a:r>
+              <a:rPr lang="pt-PT" sz="1800" dirty="0">
+                <a:latin typeface="Consolas" panose="020B0609020204030204" pitchFamily="49" charset="0"/>
+              </a:rPr>
+              <a:t>JSON ou XML.</a:t>
+            </a:r>
+          </a:p>
+          <a:p>
+            <a:r>
+              <a:rPr lang="pt-PT" sz="1800" dirty="0">
+                <a:latin typeface="Consolas" panose="020B0609020204030204" pitchFamily="49" charset="0"/>
+              </a:rPr>
+              <a:t>Lista de algumas </a:t>
+            </a:r>
+            <a:r>
+              <a:rPr lang="pt-PT" sz="1800" dirty="0" err="1">
+                <a:latin typeface="Consolas" panose="020B0609020204030204" pitchFamily="49" charset="0"/>
+              </a:rPr>
+              <a:t>APIs</a:t>
             </a:r>
             <a:r>
               <a:rPr lang="pt-PT" sz="1800" dirty="0">

--- a/PPT/pt/PPT3_-_JSON_XML_e_APIs.pptx
+++ b/PPT/pt/PPT3_-_JSON_XML_e_APIs.pptx
@@ -247,7 +247,7 @@
           <a:p>
             <a:fld id="{A8056B92-FCDB-4810-8779-64E0CAC2F787}" type="datetimeFigureOut">
               <a:rPr lang="pt-PT" smtClean="0"/>
-              <a:t>20/05/2018</a:t>
+              <a:t>23/05/2018</a:t>
             </a:fld>
             <a:endParaRPr lang="pt-PT"/>
           </a:p>
@@ -417,7 +417,7 @@
           <a:p>
             <a:fld id="{A8056B92-FCDB-4810-8779-64E0CAC2F787}" type="datetimeFigureOut">
               <a:rPr lang="pt-PT" smtClean="0"/>
-              <a:t>20/05/2018</a:t>
+              <a:t>23/05/2018</a:t>
             </a:fld>
             <a:endParaRPr lang="pt-PT"/>
           </a:p>
@@ -597,7 +597,7 @@
           <a:p>
             <a:fld id="{A8056B92-FCDB-4810-8779-64E0CAC2F787}" type="datetimeFigureOut">
               <a:rPr lang="pt-PT" smtClean="0"/>
-              <a:t>20/05/2018</a:t>
+              <a:t>23/05/2018</a:t>
             </a:fld>
             <a:endParaRPr lang="pt-PT"/>
           </a:p>
@@ -767,7 +767,7 @@
           <a:p>
             <a:fld id="{A8056B92-FCDB-4810-8779-64E0CAC2F787}" type="datetimeFigureOut">
               <a:rPr lang="pt-PT" smtClean="0"/>
-              <a:t>20/05/2018</a:t>
+              <a:t>23/05/2018</a:t>
             </a:fld>
             <a:endParaRPr lang="pt-PT"/>
           </a:p>
@@ -1013,7 +1013,7 @@
           <a:p>
             <a:fld id="{A8056B92-FCDB-4810-8779-64E0CAC2F787}" type="datetimeFigureOut">
               <a:rPr lang="pt-PT" smtClean="0"/>
-              <a:t>20/05/2018</a:t>
+              <a:t>23/05/2018</a:t>
             </a:fld>
             <a:endParaRPr lang="pt-PT"/>
           </a:p>
@@ -1245,7 +1245,7 @@
           <a:p>
             <a:fld id="{A8056B92-FCDB-4810-8779-64E0CAC2F787}" type="datetimeFigureOut">
               <a:rPr lang="pt-PT" smtClean="0"/>
-              <a:t>20/05/2018</a:t>
+              <a:t>23/05/2018</a:t>
             </a:fld>
             <a:endParaRPr lang="pt-PT"/>
           </a:p>
@@ -1612,7 +1612,7 @@
           <a:p>
             <a:fld id="{A8056B92-FCDB-4810-8779-64E0CAC2F787}" type="datetimeFigureOut">
               <a:rPr lang="pt-PT" smtClean="0"/>
-              <a:t>20/05/2018</a:t>
+              <a:t>23/05/2018</a:t>
             </a:fld>
             <a:endParaRPr lang="pt-PT"/>
           </a:p>
@@ -1730,7 +1730,7 @@
           <a:p>
             <a:fld id="{A8056B92-FCDB-4810-8779-64E0CAC2F787}" type="datetimeFigureOut">
               <a:rPr lang="pt-PT" smtClean="0"/>
-              <a:t>20/05/2018</a:t>
+              <a:t>23/05/2018</a:t>
             </a:fld>
             <a:endParaRPr lang="pt-PT"/>
           </a:p>
@@ -1825,7 +1825,7 @@
           <a:p>
             <a:fld id="{A8056B92-FCDB-4810-8779-64E0CAC2F787}" type="datetimeFigureOut">
               <a:rPr lang="pt-PT" smtClean="0"/>
-              <a:t>20/05/2018</a:t>
+              <a:t>23/05/2018</a:t>
             </a:fld>
             <a:endParaRPr lang="pt-PT"/>
           </a:p>
@@ -2102,7 +2102,7 @@
           <a:p>
             <a:fld id="{A8056B92-FCDB-4810-8779-64E0CAC2F787}" type="datetimeFigureOut">
               <a:rPr lang="pt-PT" smtClean="0"/>
-              <a:t>20/05/2018</a:t>
+              <a:t>23/05/2018</a:t>
             </a:fld>
             <a:endParaRPr lang="pt-PT"/>
           </a:p>
@@ -2359,7 +2359,7 @@
           <a:p>
             <a:fld id="{A8056B92-FCDB-4810-8779-64E0CAC2F787}" type="datetimeFigureOut">
               <a:rPr lang="pt-PT" smtClean="0"/>
-              <a:t>20/05/2018</a:t>
+              <a:t>23/05/2018</a:t>
             </a:fld>
             <a:endParaRPr lang="pt-PT"/>
           </a:p>
@@ -2572,7 +2572,7 @@
           <a:p>
             <a:fld id="{A8056B92-FCDB-4810-8779-64E0CAC2F787}" type="datetimeFigureOut">
               <a:rPr lang="pt-PT" smtClean="0"/>
-              <a:t>20/05/2018</a:t>
+              <a:t>23/05/2018</a:t>
             </a:fld>
             <a:endParaRPr lang="pt-PT"/>
           </a:p>
@@ -4313,7 +4313,7 @@
           <a:p>
             <a:pPr algn="ctr"/>
             <a:r>
-              <a:rPr lang="pt-PT" b="1" dirty="0">
+              <a:rPr lang="pt-PT" b="1">
                 <a:solidFill>
                   <a:schemeClr val="accent4">
                     <a:lumMod val="60000"/>
@@ -4321,8 +4321,16 @@
                   </a:schemeClr>
                 </a:solidFill>
               </a:rPr>
-              <a:t>Exercícios!</a:t>
-            </a:r>
+              <a:t>Exemplos!</a:t>
+            </a:r>
+            <a:endParaRPr lang="pt-PT" b="1" dirty="0">
+              <a:solidFill>
+                <a:schemeClr val="accent4">
+                  <a:lumMod val="60000"/>
+                  <a:lumOff val="40000"/>
+                </a:schemeClr>
+              </a:solidFill>
+            </a:endParaRPr>
           </a:p>
         </p:txBody>
       </p:sp>
